--- a/이미지.pptx
+++ b/이미지.pptx
@@ -259,7 +259,7 @@
           <a:p>
             <a:fld id="{928993BF-9CD2-4628-B31F-75F229E32ACD}" type="datetimeFigureOut">
               <a:rPr lang="ko-KR" altLang="en-US" smtClean="0"/>
-              <a:t>2021-11-16</a:t>
+              <a:t>2021-11-21</a:t>
             </a:fld>
             <a:endParaRPr lang="ko-KR" altLang="en-US"/>
           </a:p>
@@ -457,7 +457,7 @@
           <a:p>
             <a:fld id="{928993BF-9CD2-4628-B31F-75F229E32ACD}" type="datetimeFigureOut">
               <a:rPr lang="ko-KR" altLang="en-US" smtClean="0"/>
-              <a:t>2021-11-16</a:t>
+              <a:t>2021-11-21</a:t>
             </a:fld>
             <a:endParaRPr lang="ko-KR" altLang="en-US"/>
           </a:p>
@@ -665,7 +665,7 @@
           <a:p>
             <a:fld id="{928993BF-9CD2-4628-B31F-75F229E32ACD}" type="datetimeFigureOut">
               <a:rPr lang="ko-KR" altLang="en-US" smtClean="0"/>
-              <a:t>2021-11-16</a:t>
+              <a:t>2021-11-21</a:t>
             </a:fld>
             <a:endParaRPr lang="ko-KR" altLang="en-US"/>
           </a:p>
@@ -863,7 +863,7 @@
           <a:p>
             <a:fld id="{928993BF-9CD2-4628-B31F-75F229E32ACD}" type="datetimeFigureOut">
               <a:rPr lang="ko-KR" altLang="en-US" smtClean="0"/>
-              <a:t>2021-11-16</a:t>
+              <a:t>2021-11-21</a:t>
             </a:fld>
             <a:endParaRPr lang="ko-KR" altLang="en-US"/>
           </a:p>
@@ -1138,7 +1138,7 @@
           <a:p>
             <a:fld id="{928993BF-9CD2-4628-B31F-75F229E32ACD}" type="datetimeFigureOut">
               <a:rPr lang="ko-KR" altLang="en-US" smtClean="0"/>
-              <a:t>2021-11-16</a:t>
+              <a:t>2021-11-21</a:t>
             </a:fld>
             <a:endParaRPr lang="ko-KR" altLang="en-US"/>
           </a:p>
@@ -1403,7 +1403,7 @@
           <a:p>
             <a:fld id="{928993BF-9CD2-4628-B31F-75F229E32ACD}" type="datetimeFigureOut">
               <a:rPr lang="ko-KR" altLang="en-US" smtClean="0"/>
-              <a:t>2021-11-16</a:t>
+              <a:t>2021-11-21</a:t>
             </a:fld>
             <a:endParaRPr lang="ko-KR" altLang="en-US"/>
           </a:p>
@@ -1815,7 +1815,7 @@
           <a:p>
             <a:fld id="{928993BF-9CD2-4628-B31F-75F229E32ACD}" type="datetimeFigureOut">
               <a:rPr lang="ko-KR" altLang="en-US" smtClean="0"/>
-              <a:t>2021-11-16</a:t>
+              <a:t>2021-11-21</a:t>
             </a:fld>
             <a:endParaRPr lang="ko-KR" altLang="en-US"/>
           </a:p>
@@ -1956,7 +1956,7 @@
           <a:p>
             <a:fld id="{928993BF-9CD2-4628-B31F-75F229E32ACD}" type="datetimeFigureOut">
               <a:rPr lang="ko-KR" altLang="en-US" smtClean="0"/>
-              <a:t>2021-11-16</a:t>
+              <a:t>2021-11-21</a:t>
             </a:fld>
             <a:endParaRPr lang="ko-KR" altLang="en-US"/>
           </a:p>
@@ -2069,7 +2069,7 @@
           <a:p>
             <a:fld id="{928993BF-9CD2-4628-B31F-75F229E32ACD}" type="datetimeFigureOut">
               <a:rPr lang="ko-KR" altLang="en-US" smtClean="0"/>
-              <a:t>2021-11-16</a:t>
+              <a:t>2021-11-21</a:t>
             </a:fld>
             <a:endParaRPr lang="ko-KR" altLang="en-US"/>
           </a:p>
@@ -2380,7 +2380,7 @@
           <a:p>
             <a:fld id="{928993BF-9CD2-4628-B31F-75F229E32ACD}" type="datetimeFigureOut">
               <a:rPr lang="ko-KR" altLang="en-US" smtClean="0"/>
-              <a:t>2021-11-16</a:t>
+              <a:t>2021-11-21</a:t>
             </a:fld>
             <a:endParaRPr lang="ko-KR" altLang="en-US"/>
           </a:p>
@@ -2668,7 +2668,7 @@
           <a:p>
             <a:fld id="{928993BF-9CD2-4628-B31F-75F229E32ACD}" type="datetimeFigureOut">
               <a:rPr lang="ko-KR" altLang="en-US" smtClean="0"/>
-              <a:t>2021-11-16</a:t>
+              <a:t>2021-11-21</a:t>
             </a:fld>
             <a:endParaRPr lang="ko-KR" altLang="en-US"/>
           </a:p>
@@ -2909,7 +2909,7 @@
           <a:p>
             <a:fld id="{928993BF-9CD2-4628-B31F-75F229E32ACD}" type="datetimeFigureOut">
               <a:rPr lang="ko-KR" altLang="en-US" smtClean="0"/>
-              <a:t>2021-11-16</a:t>
+              <a:t>2021-11-21</a:t>
             </a:fld>
             <a:endParaRPr lang="ko-KR" altLang="en-US"/>
           </a:p>
@@ -3502,6 +3502,43 @@
           </a:p>
         </p:txBody>
       </p:sp>
+      <p:pic>
+        <p:nvPicPr>
+          <p:cNvPr id="5" name="그림 4" descr="텍스트이(가) 표시된 사진&#10;&#10;자동 생성된 설명">
+            <a:extLst>
+              <a:ext uri="{FF2B5EF4-FFF2-40B4-BE49-F238E27FC236}">
+                <a16:creationId xmlns:a16="http://schemas.microsoft.com/office/drawing/2014/main" id="{306C7827-5E6F-4780-850C-D155C1B95630}"/>
+              </a:ext>
+            </a:extLst>
+          </p:cNvPr>
+          <p:cNvPicPr>
+            <a:picLocks noChangeAspect="1"/>
+          </p:cNvPicPr>
+          <p:nvPr/>
+        </p:nvPicPr>
+        <p:blipFill>
+          <a:blip r:embed="rId3">
+            <a:lum bright="70000" contrast="-70000"/>
+            <a:extLst>
+              <a:ext uri="{28A0092B-C50C-407E-A947-70E740481C1C}">
+                <a14:useLocalDpi xmlns:a14="http://schemas.microsoft.com/office/drawing/2010/main" val="0"/>
+              </a:ext>
+            </a:extLst>
+          </a:blip>
+          <a:stretch>
+            <a:fillRect/>
+          </a:stretch>
+        </p:blipFill>
+        <p:spPr>
+          <a:xfrm>
+            <a:off x="3435901" y="2628199"/>
+            <a:ext cx="5320197" cy="1601601"/>
+          </a:xfrm>
+          <a:prstGeom prst="rect">
+            <a:avLst/>
+          </a:prstGeom>
+        </p:spPr>
+      </p:pic>
     </p:spTree>
     <p:extLst>
       <p:ext uri="{BB962C8B-B14F-4D97-AF65-F5344CB8AC3E}">

--- a/이미지.pptx
+++ b/이미지.pptx
@@ -6,6 +6,8 @@
   </p:sldMasterIdLst>
   <p:sldIdLst>
     <p:sldId id="256" r:id="rId2"/>
+    <p:sldId id="258" r:id="rId3"/>
+    <p:sldId id="257" r:id="rId4"/>
   </p:sldIdLst>
   <p:sldSz cx="12192000" cy="6858000"/>
   <p:notesSz cx="6858000" cy="9144000"/>
@@ -259,7 +261,7 @@
           <a:p>
             <a:fld id="{928993BF-9CD2-4628-B31F-75F229E32ACD}" type="datetimeFigureOut">
               <a:rPr lang="ko-KR" altLang="en-US" smtClean="0"/>
-              <a:t>2021-11-21</a:t>
+              <a:t>2022-01-09</a:t>
             </a:fld>
             <a:endParaRPr lang="ko-KR" altLang="en-US"/>
           </a:p>
@@ -457,7 +459,7 @@
           <a:p>
             <a:fld id="{928993BF-9CD2-4628-B31F-75F229E32ACD}" type="datetimeFigureOut">
               <a:rPr lang="ko-KR" altLang="en-US" smtClean="0"/>
-              <a:t>2021-11-21</a:t>
+              <a:t>2022-01-09</a:t>
             </a:fld>
             <a:endParaRPr lang="ko-KR" altLang="en-US"/>
           </a:p>
@@ -665,7 +667,7 @@
           <a:p>
             <a:fld id="{928993BF-9CD2-4628-B31F-75F229E32ACD}" type="datetimeFigureOut">
               <a:rPr lang="ko-KR" altLang="en-US" smtClean="0"/>
-              <a:t>2021-11-21</a:t>
+              <a:t>2022-01-09</a:t>
             </a:fld>
             <a:endParaRPr lang="ko-KR" altLang="en-US"/>
           </a:p>
@@ -863,7 +865,7 @@
           <a:p>
             <a:fld id="{928993BF-9CD2-4628-B31F-75F229E32ACD}" type="datetimeFigureOut">
               <a:rPr lang="ko-KR" altLang="en-US" smtClean="0"/>
-              <a:t>2021-11-21</a:t>
+              <a:t>2022-01-09</a:t>
             </a:fld>
             <a:endParaRPr lang="ko-KR" altLang="en-US"/>
           </a:p>
@@ -1138,7 +1140,7 @@
           <a:p>
             <a:fld id="{928993BF-9CD2-4628-B31F-75F229E32ACD}" type="datetimeFigureOut">
               <a:rPr lang="ko-KR" altLang="en-US" smtClean="0"/>
-              <a:t>2021-11-21</a:t>
+              <a:t>2022-01-09</a:t>
             </a:fld>
             <a:endParaRPr lang="ko-KR" altLang="en-US"/>
           </a:p>
@@ -1403,7 +1405,7 @@
           <a:p>
             <a:fld id="{928993BF-9CD2-4628-B31F-75F229E32ACD}" type="datetimeFigureOut">
               <a:rPr lang="ko-KR" altLang="en-US" smtClean="0"/>
-              <a:t>2021-11-21</a:t>
+              <a:t>2022-01-09</a:t>
             </a:fld>
             <a:endParaRPr lang="ko-KR" altLang="en-US"/>
           </a:p>
@@ -1815,7 +1817,7 @@
           <a:p>
             <a:fld id="{928993BF-9CD2-4628-B31F-75F229E32ACD}" type="datetimeFigureOut">
               <a:rPr lang="ko-KR" altLang="en-US" smtClean="0"/>
-              <a:t>2021-11-21</a:t>
+              <a:t>2022-01-09</a:t>
             </a:fld>
             <a:endParaRPr lang="ko-KR" altLang="en-US"/>
           </a:p>
@@ -1956,7 +1958,7 @@
           <a:p>
             <a:fld id="{928993BF-9CD2-4628-B31F-75F229E32ACD}" type="datetimeFigureOut">
               <a:rPr lang="ko-KR" altLang="en-US" smtClean="0"/>
-              <a:t>2021-11-21</a:t>
+              <a:t>2022-01-09</a:t>
             </a:fld>
             <a:endParaRPr lang="ko-KR" altLang="en-US"/>
           </a:p>
@@ -2069,7 +2071,7 @@
           <a:p>
             <a:fld id="{928993BF-9CD2-4628-B31F-75F229E32ACD}" type="datetimeFigureOut">
               <a:rPr lang="ko-KR" altLang="en-US" smtClean="0"/>
-              <a:t>2021-11-21</a:t>
+              <a:t>2022-01-09</a:t>
             </a:fld>
             <a:endParaRPr lang="ko-KR" altLang="en-US"/>
           </a:p>
@@ -2380,7 +2382,7 @@
           <a:p>
             <a:fld id="{928993BF-9CD2-4628-B31F-75F229E32ACD}" type="datetimeFigureOut">
               <a:rPr lang="ko-KR" altLang="en-US" smtClean="0"/>
-              <a:t>2021-11-21</a:t>
+              <a:t>2022-01-09</a:t>
             </a:fld>
             <a:endParaRPr lang="ko-KR" altLang="en-US"/>
           </a:p>
@@ -2668,7 +2670,7 @@
           <a:p>
             <a:fld id="{928993BF-9CD2-4628-B31F-75F229E32ACD}" type="datetimeFigureOut">
               <a:rPr lang="ko-KR" altLang="en-US" smtClean="0"/>
-              <a:t>2021-11-21</a:t>
+              <a:t>2022-01-09</a:t>
             </a:fld>
             <a:endParaRPr lang="ko-KR" altLang="en-US"/>
           </a:p>
@@ -2909,7 +2911,7 @@
           <a:p>
             <a:fld id="{928993BF-9CD2-4628-B31F-75F229E32ACD}" type="datetimeFigureOut">
               <a:rPr lang="ko-KR" altLang="en-US" smtClean="0"/>
-              <a:t>2021-11-21</a:t>
+              <a:t>2022-01-09</a:t>
             </a:fld>
             <a:endParaRPr lang="ko-KR" altLang="en-US"/>
           </a:p>
@@ -3326,12 +3328,71 @@
           <a:chExt cx="0" cy="0"/>
         </a:xfrm>
       </p:grpSpPr>
+      <p:pic>
+        <p:nvPicPr>
+          <p:cNvPr id="11" name="그림 10">
+            <a:extLst>
+              <a:ext uri="{FF2B5EF4-FFF2-40B4-BE49-F238E27FC236}">
+                <a16:creationId xmlns:a16="http://schemas.microsoft.com/office/drawing/2014/main" id="{68740746-6A49-4C6D-94B3-76C5B2BA3051}"/>
+              </a:ext>
+            </a:extLst>
+          </p:cNvPr>
+          <p:cNvPicPr>
+            <a:picLocks noChangeAspect="1"/>
+          </p:cNvPicPr>
+          <p:nvPr/>
+        </p:nvPicPr>
+        <p:blipFill rotWithShape="1">
+          <a:blip r:embed="rId2"/>
+          <a:srcRect l="24350" t="28839" r="55168" b="15715"/>
+          <a:stretch/>
+        </p:blipFill>
+        <p:spPr>
+          <a:xfrm>
+            <a:off x="9204123" y="2080635"/>
+            <a:ext cx="2900218" cy="4416237"/>
+          </a:xfrm>
+          <a:prstGeom prst="rect">
+            <a:avLst/>
+          </a:prstGeom>
+        </p:spPr>
+      </p:pic>
+      <p:pic>
+        <p:nvPicPr>
+          <p:cNvPr id="13" name="그림 12">
+            <a:extLst>
+              <a:ext uri="{FF2B5EF4-FFF2-40B4-BE49-F238E27FC236}">
+                <a16:creationId xmlns:a16="http://schemas.microsoft.com/office/drawing/2014/main" id="{A664D689-F255-4F1D-8495-8F885DA554A5}"/>
+              </a:ext>
+            </a:extLst>
+          </p:cNvPr>
+          <p:cNvPicPr>
+            <a:picLocks noChangeAspect="1"/>
+          </p:cNvPicPr>
+          <p:nvPr/>
+        </p:nvPicPr>
+        <p:blipFill>
+          <a:blip r:embed="rId3"/>
+          <a:stretch>
+            <a:fillRect/>
+          </a:stretch>
+        </p:blipFill>
+        <p:spPr>
+          <a:xfrm>
+            <a:off x="1718492" y="3323053"/>
+            <a:ext cx="2219090" cy="910076"/>
+          </a:xfrm>
+          <a:prstGeom prst="rect">
+            <a:avLst/>
+          </a:prstGeom>
+        </p:spPr>
+      </p:pic>
       <p:grpSp>
         <p:nvGrpSpPr>
-          <p:cNvPr id="31" name="그룹 30">
-            <a:extLst>
-              <a:ext uri="{FF2B5EF4-FFF2-40B4-BE49-F238E27FC236}">
-                <a16:creationId xmlns:a16="http://schemas.microsoft.com/office/drawing/2014/main" id="{06912334-EF5B-405D-B21A-DF4F66081815}"/>
+          <p:cNvPr id="4" name="그룹 3">
+            <a:extLst>
+              <a:ext uri="{FF2B5EF4-FFF2-40B4-BE49-F238E27FC236}">
+                <a16:creationId xmlns:a16="http://schemas.microsoft.com/office/drawing/2014/main" id="{C781C0A4-9356-4637-A6C4-9F3D40209579}"/>
               </a:ext>
             </a:extLst>
           </p:cNvPr>
@@ -3340,18 +3401,163 @@
         </p:nvGrpSpPr>
         <p:grpSpPr>
           <a:xfrm>
-            <a:off x="2306315" y="109780"/>
-            <a:ext cx="4629794" cy="1015663"/>
-            <a:chOff x="301303" y="2480708"/>
-            <a:chExt cx="4629794" cy="1015663"/>
+            <a:off x="448792" y="222899"/>
+            <a:ext cx="9850775" cy="2504067"/>
+            <a:chOff x="448792" y="222899"/>
+            <a:chExt cx="9850775" cy="2504067"/>
           </a:xfrm>
         </p:grpSpPr>
+        <p:grpSp>
+          <p:nvGrpSpPr>
+            <p:cNvPr id="17" name="그룹 16">
+              <a:extLst>
+                <a:ext uri="{FF2B5EF4-FFF2-40B4-BE49-F238E27FC236}">
+                  <a16:creationId xmlns:a16="http://schemas.microsoft.com/office/drawing/2014/main" id="{BD6F524F-4464-407E-B409-18851808E2E0}"/>
+                </a:ext>
+              </a:extLst>
+            </p:cNvPr>
+            <p:cNvGrpSpPr/>
+            <p:nvPr/>
+          </p:nvGrpSpPr>
+          <p:grpSpPr>
+            <a:xfrm>
+              <a:off x="448792" y="222899"/>
+              <a:ext cx="9850775" cy="1862048"/>
+              <a:chOff x="1039919" y="1358972"/>
+              <a:chExt cx="9850775" cy="1862048"/>
+            </a:xfrm>
+          </p:grpSpPr>
+          <p:pic>
+            <p:nvPicPr>
+              <p:cNvPr id="18" name="그림 17">
+                <a:extLst>
+                  <a:ext uri="{FF2B5EF4-FFF2-40B4-BE49-F238E27FC236}">
+                    <a16:creationId xmlns:a16="http://schemas.microsoft.com/office/drawing/2014/main" id="{C7F627B8-60C0-424F-BDF7-E096372F8920}"/>
+                  </a:ext>
+                </a:extLst>
+              </p:cNvPr>
+              <p:cNvPicPr>
+                <a:picLocks noChangeAspect="1"/>
+              </p:cNvPicPr>
+              <p:nvPr/>
+            </p:nvPicPr>
+            <p:blipFill>
+              <a:blip r:embed="rId4">
+                <a:extLst>
+                  <a:ext uri="{28A0092B-C50C-407E-A947-70E740481C1C}">
+                    <a14:useLocalDpi xmlns:a14="http://schemas.microsoft.com/office/drawing/2010/main" val="0"/>
+                  </a:ext>
+                </a:extLst>
+              </a:blip>
+              <a:stretch>
+                <a:fillRect/>
+              </a:stretch>
+            </p:blipFill>
+            <p:spPr>
+              <a:xfrm>
+                <a:off x="4762686" y="1677826"/>
+                <a:ext cx="566695" cy="574203"/>
+              </a:xfrm>
+              <a:prstGeom prst="rect">
+                <a:avLst/>
+              </a:prstGeom>
+            </p:spPr>
+          </p:pic>
+          <p:sp>
+            <p:nvSpPr>
+              <p:cNvPr id="19" name="TextBox 18">
+                <a:extLst>
+                  <a:ext uri="{FF2B5EF4-FFF2-40B4-BE49-F238E27FC236}">
+                    <a16:creationId xmlns:a16="http://schemas.microsoft.com/office/drawing/2014/main" id="{2EBD8A55-5EA3-49AF-A2C9-F63BF4252A0E}"/>
+                  </a:ext>
+                </a:extLst>
+              </p:cNvPr>
+              <p:cNvSpPr txBox="1"/>
+              <p:nvPr/>
+            </p:nvSpPr>
+            <p:spPr>
+              <a:xfrm>
+                <a:off x="1039919" y="1358972"/>
+                <a:ext cx="9850775" cy="1862048"/>
+              </a:xfrm>
+              <a:prstGeom prst="rect">
+                <a:avLst/>
+              </a:prstGeom>
+              <a:noFill/>
+            </p:spPr>
+            <p:txBody>
+              <a:bodyPr wrap="none" rtlCol="0">
+                <a:spAutoFit/>
+              </a:bodyPr>
+              <a:lstStyle/>
+              <a:p>
+                <a:pPr algn="ctr"/>
+                <a:r>
+                  <a:rPr lang="en-US" altLang="ko-KR" sz="11500" dirty="0">
+                    <a:effectLst>
+                      <a:outerShdw blurRad="38100" dist="38100" dir="2700000" algn="tl">
+                        <a:srgbClr val="000000">
+                          <a:alpha val="43137"/>
+                        </a:srgbClr>
+                      </a:outerShdw>
+                    </a:effectLst>
+                    <a:latin typeface="a우유식빵" panose="02020600000000000000" pitchFamily="18" charset="-127"/>
+                    <a:ea typeface="a우유식빵" panose="02020600000000000000" pitchFamily="18" charset="-127"/>
+                  </a:rPr>
+                  <a:t>WHO</a:t>
+                </a:r>
+                <a:r>
+                  <a:rPr lang="en-US" altLang="ko-KR" sz="5400" dirty="0">
+                    <a:solidFill>
+                      <a:srgbClr val="04CF5C"/>
+                    </a:solidFill>
+                    <a:effectLst>
+                      <a:outerShdw blurRad="38100" dist="38100" dir="2700000" algn="tl">
+                        <a:srgbClr val="000000">
+                          <a:alpha val="43137"/>
+                        </a:srgbClr>
+                      </a:outerShdw>
+                    </a:effectLst>
+                    <a:latin typeface="a우유식빵" panose="02020600000000000000" pitchFamily="18" charset="-127"/>
+                    <a:ea typeface="a우유식빵" panose="02020600000000000000" pitchFamily="18" charset="-127"/>
+                  </a:rPr>
+                  <a:t>F</a:t>
+                </a:r>
+                <a:r>
+                  <a:rPr lang="en-US" altLang="ko-KR" sz="11500" dirty="0">
+                    <a:effectLst>
+                      <a:outerShdw blurRad="38100" dist="38100" dir="2700000" algn="tl">
+                        <a:srgbClr val="000000">
+                          <a:alpha val="43137"/>
+                        </a:srgbClr>
+                      </a:outerShdw>
+                    </a:effectLst>
+                    <a:latin typeface="a우유식빵" panose="02020600000000000000" pitchFamily="18" charset="-127"/>
+                    <a:ea typeface="a우유식빵" panose="02020600000000000000" pitchFamily="18" charset="-127"/>
+                  </a:rPr>
+                  <a:t>RIEND</a:t>
+                </a:r>
+                <a:endParaRPr lang="ko-KR" altLang="en-US" sz="11500" dirty="0">
+                  <a:effectLst>
+                    <a:outerShdw blurRad="38100" dist="38100" dir="2700000" algn="tl">
+                      <a:srgbClr val="000000">
+                        <a:alpha val="43137"/>
+                      </a:srgbClr>
+                    </a:outerShdw>
+                  </a:effectLst>
+                  <a:latin typeface="a우유식빵" panose="02020600000000000000" pitchFamily="18" charset="-127"/>
+                  <a:ea typeface="a우유식빵" panose="02020600000000000000" pitchFamily="18" charset="-127"/>
+                </a:endParaRPr>
+              </a:p>
+            </p:txBody>
+          </p:sp>
+        </p:grpSp>
         <p:sp>
           <p:nvSpPr>
-            <p:cNvPr id="26" name="TextBox 25">
+            <p:cNvPr id="20" name="TextBox 19">
               <a:extLst>
                 <a:ext uri="{FF2B5EF4-FFF2-40B4-BE49-F238E27FC236}">
-                  <a16:creationId xmlns:a16="http://schemas.microsoft.com/office/drawing/2014/main" id="{E7C04F10-FD15-4C37-AE40-83F499B951C5}"/>
+                  <a16:creationId xmlns:a16="http://schemas.microsoft.com/office/drawing/2014/main" id="{E25830E9-1AC7-4EA0-8A72-47343611509E}"/>
                 </a:ext>
               </a:extLst>
             </p:cNvPr>
@@ -3360,8 +3566,8 @@
           </p:nvSpPr>
           <p:spPr>
             <a:xfrm>
-              <a:off x="301303" y="2480708"/>
-              <a:ext cx="4629794" cy="1015663"/>
+              <a:off x="1158120" y="2080635"/>
+              <a:ext cx="8589211" cy="646331"/>
             </a:xfrm>
             <a:prstGeom prst="rect">
               <a:avLst/>
@@ -3375,25 +3581,349 @@
             <a:lstStyle/>
             <a:p>
               <a:r>
-                <a:rPr lang="en-US" altLang="ko-KR" sz="6000" dirty="0">
-                  <a:latin typeface="a개구쟁이OL" panose="02020600000000000000" pitchFamily="18" charset="-127"/>
-                  <a:ea typeface="a개구쟁이OL" panose="02020600000000000000" pitchFamily="18" charset="-127"/>
+                <a:rPr lang="en-US" altLang="ko-KR" sz="3600" b="1" spc="300" dirty="0">
+                  <a:solidFill>
+                    <a:srgbClr val="9B9F9D"/>
+                  </a:solidFill>
+                  <a:latin typeface="나눔스퀘어" panose="020B0600000101010101" pitchFamily="50" charset="-127"/>
+                  <a:ea typeface="나눔스퀘어" panose="020B0600000101010101" pitchFamily="50" charset="-127"/>
                 </a:rPr>
-                <a:t>WHO RIEND</a:t>
+                <a:t>WHO_</a:t>
               </a:r>
-              <a:endParaRPr lang="ko-KR" altLang="en-US" sz="6000" dirty="0">
-                <a:latin typeface="a개구쟁이OL" panose="02020600000000000000" pitchFamily="18" charset="-127"/>
-                <a:ea typeface="a개구쟁이OL" panose="02020600000000000000" pitchFamily="18" charset="-127"/>
-              </a:endParaRPr>
+              <a:r>
+                <a:rPr lang="ko-KR" altLang="en-US" sz="3600" b="1" spc="300" dirty="0">
+                  <a:solidFill>
+                    <a:srgbClr val="9B9F9D"/>
+                  </a:solidFill>
+                  <a:latin typeface="나눔스퀘어" panose="020B0600000101010101" pitchFamily="50" charset="-127"/>
+                  <a:ea typeface="나눔스퀘어" panose="020B0600000101010101" pitchFamily="50" charset="-127"/>
+                </a:rPr>
+                <a:t>누구와도</a:t>
+              </a:r>
+              <a:r>
+                <a:rPr lang="en-US" altLang="ko-KR" sz="3600" b="1" spc="300" dirty="0">
+                  <a:solidFill>
+                    <a:srgbClr val="9B9F9D"/>
+                  </a:solidFill>
+                  <a:latin typeface="나눔스퀘어" panose="020B0600000101010101" pitchFamily="50" charset="-127"/>
+                  <a:ea typeface="나눔스퀘어" panose="020B0600000101010101" pitchFamily="50" charset="-127"/>
+                </a:rPr>
+                <a:t> + FRIEND_</a:t>
+              </a:r>
+              <a:r>
+                <a:rPr lang="ko-KR" altLang="en-US" sz="3600" b="1" spc="300" dirty="0">
+                  <a:solidFill>
+                    <a:srgbClr val="9B9F9D"/>
+                  </a:solidFill>
+                  <a:latin typeface="나눔스퀘어" panose="020B0600000101010101" pitchFamily="50" charset="-127"/>
+                  <a:ea typeface="나눔스퀘어" panose="020B0600000101010101" pitchFamily="50" charset="-127"/>
+                </a:rPr>
+                <a:t>친구가 된다</a:t>
+              </a:r>
             </a:p>
           </p:txBody>
         </p:sp>
+      </p:grpSp>
+      <p:sp>
+        <p:nvSpPr>
+          <p:cNvPr id="5" name="TextBox 4">
+            <a:extLst>
+              <a:ext uri="{FF2B5EF4-FFF2-40B4-BE49-F238E27FC236}">
+                <a16:creationId xmlns:a16="http://schemas.microsoft.com/office/drawing/2014/main" id="{2CA31EDF-04ED-48B3-A028-16421EF07B43}"/>
+              </a:ext>
+            </a:extLst>
+          </p:cNvPr>
+          <p:cNvSpPr txBox="1"/>
+          <p:nvPr/>
+        </p:nvSpPr>
+        <p:spPr>
+          <a:xfrm>
+            <a:off x="5540399" y="3138387"/>
+            <a:ext cx="1111202" cy="369332"/>
+          </a:xfrm>
+          <a:prstGeom prst="rect">
+            <a:avLst/>
+          </a:prstGeom>
+          <a:solidFill>
+            <a:srgbClr val="04CF5C"/>
+          </a:solidFill>
+        </p:spPr>
+        <p:txBody>
+          <a:bodyPr wrap="none" rtlCol="0">
+            <a:spAutoFit/>
+          </a:bodyPr>
+          <a:lstStyle/>
+          <a:p>
+            <a:r>
+              <a:rPr lang="en-US" altLang="ko-KR" dirty="0"/>
+              <a:t>#04CF5C</a:t>
+            </a:r>
+            <a:endParaRPr lang="ko-KR" altLang="en-US" dirty="0"/>
+          </a:p>
+        </p:txBody>
+      </p:sp>
+      <p:sp>
+        <p:nvSpPr>
+          <p:cNvPr id="23" name="TextBox 22">
+            <a:extLst>
+              <a:ext uri="{FF2B5EF4-FFF2-40B4-BE49-F238E27FC236}">
+                <a16:creationId xmlns:a16="http://schemas.microsoft.com/office/drawing/2014/main" id="{EBE0075C-0E57-41BA-A82D-81D54256147A}"/>
+              </a:ext>
+            </a:extLst>
+          </p:cNvPr>
+          <p:cNvSpPr txBox="1"/>
+          <p:nvPr/>
+        </p:nvSpPr>
+        <p:spPr>
+          <a:xfrm>
+            <a:off x="5540399" y="3691645"/>
+            <a:ext cx="1111202" cy="369332"/>
+          </a:xfrm>
+          <a:prstGeom prst="rect">
+            <a:avLst/>
+          </a:prstGeom>
+          <a:solidFill>
+            <a:srgbClr val="2EB500"/>
+          </a:solidFill>
+        </p:spPr>
+        <p:txBody>
+          <a:bodyPr wrap="none" rtlCol="0">
+            <a:spAutoFit/>
+          </a:bodyPr>
+          <a:lstStyle/>
+          <a:p>
+            <a:r>
+              <a:rPr lang="en-US" altLang="ko-KR" dirty="0"/>
+              <a:t>#2EB500</a:t>
+            </a:r>
+            <a:endParaRPr lang="ko-KR" altLang="en-US" dirty="0"/>
+          </a:p>
+        </p:txBody>
+      </p:sp>
+      <p:sp>
+        <p:nvSpPr>
+          <p:cNvPr id="24" name="TextBox 23">
+            <a:extLst>
+              <a:ext uri="{FF2B5EF4-FFF2-40B4-BE49-F238E27FC236}">
+                <a16:creationId xmlns:a16="http://schemas.microsoft.com/office/drawing/2014/main" id="{DA56BB9F-CBEF-41D5-A52B-72919A7D96E0}"/>
+              </a:ext>
+            </a:extLst>
+          </p:cNvPr>
+          <p:cNvSpPr txBox="1"/>
+          <p:nvPr/>
+        </p:nvSpPr>
+        <p:spPr>
+          <a:xfrm>
+            <a:off x="5540399" y="4258143"/>
+            <a:ext cx="1130438" cy="369332"/>
+          </a:xfrm>
+          <a:prstGeom prst="rect">
+            <a:avLst/>
+          </a:prstGeom>
+          <a:solidFill>
+            <a:srgbClr val="2DB400"/>
+          </a:solidFill>
+        </p:spPr>
+        <p:txBody>
+          <a:bodyPr wrap="none" rtlCol="0">
+            <a:spAutoFit/>
+          </a:bodyPr>
+          <a:lstStyle/>
+          <a:p>
+            <a:r>
+              <a:rPr lang="en-US" altLang="ko-KR" dirty="0"/>
+              <a:t>#2DB400</a:t>
+            </a:r>
+            <a:endParaRPr lang="ko-KR" altLang="en-US" dirty="0"/>
+          </a:p>
+        </p:txBody>
+      </p:sp>
+      <p:sp>
+        <p:nvSpPr>
+          <p:cNvPr id="25" name="TextBox 24">
+            <a:extLst>
+              <a:ext uri="{FF2B5EF4-FFF2-40B4-BE49-F238E27FC236}">
+                <a16:creationId xmlns:a16="http://schemas.microsoft.com/office/drawing/2014/main" id="{AA308709-8A82-4A02-94FD-A41CCE3CB4EF}"/>
+              </a:ext>
+            </a:extLst>
+          </p:cNvPr>
+          <p:cNvSpPr txBox="1"/>
+          <p:nvPr/>
+        </p:nvSpPr>
+        <p:spPr>
+          <a:xfrm>
+            <a:off x="7123980" y="3691645"/>
+            <a:ext cx="1148071" cy="369332"/>
+          </a:xfrm>
+          <a:prstGeom prst="rect">
+            <a:avLst/>
+          </a:prstGeom>
+          <a:solidFill>
+            <a:srgbClr val="97A39D"/>
+          </a:solidFill>
+        </p:spPr>
+        <p:txBody>
+          <a:bodyPr wrap="none" rtlCol="0">
+            <a:spAutoFit/>
+          </a:bodyPr>
+          <a:lstStyle/>
+          <a:p>
+            <a:r>
+              <a:rPr lang="en-US" altLang="ko-KR" dirty="0">
+                <a:solidFill>
+                  <a:schemeClr val="bg1"/>
+                </a:solidFill>
+              </a:rPr>
+              <a:t>#97A39D</a:t>
+            </a:r>
+            <a:endParaRPr lang="ko-KR" altLang="en-US" dirty="0">
+              <a:solidFill>
+                <a:schemeClr val="bg1"/>
+              </a:solidFill>
+            </a:endParaRPr>
+          </a:p>
+        </p:txBody>
+      </p:sp>
+      <p:sp>
+        <p:nvSpPr>
+          <p:cNvPr id="27" name="TextBox 26">
+            <a:extLst>
+              <a:ext uri="{FF2B5EF4-FFF2-40B4-BE49-F238E27FC236}">
+                <a16:creationId xmlns:a16="http://schemas.microsoft.com/office/drawing/2014/main" id="{1FD87785-1D91-4B57-BC91-F7E053B3DDFF}"/>
+              </a:ext>
+            </a:extLst>
+          </p:cNvPr>
+          <p:cNvSpPr txBox="1"/>
+          <p:nvPr/>
+        </p:nvSpPr>
+        <p:spPr>
+          <a:xfrm>
+            <a:off x="7123980" y="3123222"/>
+            <a:ext cx="1130438" cy="369332"/>
+          </a:xfrm>
+          <a:prstGeom prst="rect">
+            <a:avLst/>
+          </a:prstGeom>
+          <a:solidFill>
+            <a:srgbClr val="EAE8EB"/>
+          </a:solidFill>
+        </p:spPr>
+        <p:txBody>
+          <a:bodyPr wrap="none" rtlCol="0">
+            <a:spAutoFit/>
+          </a:bodyPr>
+          <a:lstStyle/>
+          <a:p>
+            <a:r>
+              <a:rPr lang="en-US" altLang="ko-KR" dirty="0"/>
+              <a:t>#EAE8EB</a:t>
+            </a:r>
+            <a:endParaRPr lang="ko-KR" altLang="en-US" dirty="0"/>
+          </a:p>
+        </p:txBody>
+      </p:sp>
+      <p:sp>
+        <p:nvSpPr>
+          <p:cNvPr id="29" name="TextBox 28">
+            <a:extLst>
+              <a:ext uri="{FF2B5EF4-FFF2-40B4-BE49-F238E27FC236}">
+                <a16:creationId xmlns:a16="http://schemas.microsoft.com/office/drawing/2014/main" id="{FAAACC5F-DD06-4847-B010-379C56079150}"/>
+              </a:ext>
+            </a:extLst>
+          </p:cNvPr>
+          <p:cNvSpPr txBox="1"/>
+          <p:nvPr/>
+        </p:nvSpPr>
+        <p:spPr>
+          <a:xfrm>
+            <a:off x="7123980" y="4242587"/>
+            <a:ext cx="1083951" cy="369332"/>
+          </a:xfrm>
+          <a:prstGeom prst="rect">
+            <a:avLst/>
+          </a:prstGeom>
+          <a:solidFill>
+            <a:srgbClr val="829289"/>
+          </a:solidFill>
+        </p:spPr>
+        <p:txBody>
+          <a:bodyPr wrap="none" rtlCol="0">
+            <a:spAutoFit/>
+          </a:bodyPr>
+          <a:lstStyle/>
+          <a:p>
+            <a:r>
+              <a:rPr lang="en-US" altLang="ko-KR" dirty="0">
+                <a:solidFill>
+                  <a:schemeClr val="bg1"/>
+                </a:solidFill>
+              </a:rPr>
+              <a:t>#829289</a:t>
+            </a:r>
+            <a:endParaRPr lang="ko-KR" altLang="en-US" dirty="0">
+              <a:solidFill>
+                <a:schemeClr val="bg1"/>
+              </a:solidFill>
+            </a:endParaRPr>
+          </a:p>
+        </p:txBody>
+      </p:sp>
+    </p:spTree>
+    <p:extLst>
+      <p:ext uri="{BB962C8B-B14F-4D97-AF65-F5344CB8AC3E}">
+        <p14:creationId xmlns:p14="http://schemas.microsoft.com/office/powerpoint/2010/main" val="1265518245"/>
+      </p:ext>
+    </p:extLst>
+  </p:cSld>
+  <p:clrMapOvr>
+    <a:masterClrMapping/>
+  </p:clrMapOvr>
+</p:sld>
+</file>
+
+<file path=ppt/slides/slide2.xml><?xml version="1.0" encoding="utf-8"?>
+<p:sld xmlns:a="http://schemas.openxmlformats.org/drawingml/2006/main" xmlns:r="http://schemas.openxmlformats.org/officeDocument/2006/relationships" xmlns:p="http://schemas.openxmlformats.org/presentationml/2006/main">
+  <p:cSld>
+    <p:spTree>
+      <p:nvGrpSpPr>
+        <p:cNvPr id="1" name=""/>
+        <p:cNvGrpSpPr/>
+        <p:nvPr/>
+      </p:nvGrpSpPr>
+      <p:grpSpPr>
+        <a:xfrm>
+          <a:off x="0" y="0"/>
+          <a:ext cx="0" cy="0"/>
+          <a:chOff x="0" y="0"/>
+          <a:chExt cx="0" cy="0"/>
+        </a:xfrm>
+      </p:grpSpPr>
+      <p:grpSp>
+        <p:nvGrpSpPr>
+          <p:cNvPr id="9" name="그룹 8">
+            <a:extLst>
+              <a:ext uri="{FF2B5EF4-FFF2-40B4-BE49-F238E27FC236}">
+                <a16:creationId xmlns:a16="http://schemas.microsoft.com/office/drawing/2014/main" id="{08471D53-E282-435B-BDE3-E6001280AC1F}"/>
+              </a:ext>
+            </a:extLst>
+          </p:cNvPr>
+          <p:cNvGrpSpPr/>
+          <p:nvPr/>
+        </p:nvGrpSpPr>
+        <p:grpSpPr>
+          <a:xfrm>
+            <a:off x="1039919" y="1358972"/>
+            <a:ext cx="9850775" cy="1862048"/>
+            <a:chOff x="1039919" y="1358972"/>
+            <a:chExt cx="9850775" cy="1862048"/>
+          </a:xfrm>
+        </p:grpSpPr>
         <p:pic>
           <p:nvPicPr>
-            <p:cNvPr id="28" name="그림 27">
+            <p:cNvPr id="7" name="그림 6">
               <a:extLst>
                 <a:ext uri="{FF2B5EF4-FFF2-40B4-BE49-F238E27FC236}">
-                  <a16:creationId xmlns:a16="http://schemas.microsoft.com/office/drawing/2014/main" id="{4EE0CFC3-CED6-4476-B16A-A4F73F1BF3DD}"/>
+                  <a16:creationId xmlns:a16="http://schemas.microsoft.com/office/drawing/2014/main" id="{9D448311-78D7-47A3-BA3D-7F293D825D15}"/>
                 </a:ext>
               </a:extLst>
             </p:cNvPr>
@@ -3416,8 +3946,8 @@
           </p:blipFill>
           <p:spPr>
             <a:xfrm>
-              <a:off x="2058119" y="2524920"/>
-              <a:ext cx="274785" cy="274785"/>
+              <a:off x="4762686" y="1677826"/>
+              <a:ext cx="566695" cy="574203"/>
             </a:xfrm>
             <a:prstGeom prst="rect">
               <a:avLst/>
@@ -3426,10 +3956,10 @@
         </p:pic>
         <p:sp>
           <p:nvSpPr>
-            <p:cNvPr id="30" name="TextBox 29">
+            <p:cNvPr id="8" name="TextBox 7">
               <a:extLst>
                 <a:ext uri="{FF2B5EF4-FFF2-40B4-BE49-F238E27FC236}">
-                  <a16:creationId xmlns:a16="http://schemas.microsoft.com/office/drawing/2014/main" id="{61F66E4A-AA59-4901-8E05-8C560548D8DD}"/>
+                  <a16:creationId xmlns:a16="http://schemas.microsoft.com/office/drawing/2014/main" id="{F51CC6EA-333F-4761-8CE2-D801806B4049}"/>
                 </a:ext>
               </a:extLst>
             </p:cNvPr>
@@ -3438,8 +3968,8 @@
           </p:nvSpPr>
           <p:spPr>
             <a:xfrm>
-              <a:off x="2058665" y="3027437"/>
-              <a:ext cx="322524" cy="369332"/>
+              <a:off x="1039919" y="1358972"/>
+              <a:ext cx="9850775" cy="1862048"/>
             </a:xfrm>
             <a:prstGeom prst="rect">
               <a:avLst/>
@@ -3452,16 +3982,62 @@
             </a:bodyPr>
             <a:lstStyle/>
             <a:p>
+              <a:pPr algn="ctr"/>
               <a:r>
-                <a:rPr lang="en-US" altLang="ko-KR" dirty="0">
-                  <a:latin typeface="a개구쟁이" panose="02020600000000000000" pitchFamily="18" charset="-127"/>
-                  <a:ea typeface="a개구쟁이" panose="02020600000000000000" pitchFamily="18" charset="-127"/>
+                <a:rPr lang="en-US" altLang="ko-KR" sz="11500" dirty="0">
+                  <a:effectLst>
+                    <a:outerShdw blurRad="38100" dist="38100" dir="2700000" algn="tl">
+                      <a:srgbClr val="000000">
+                        <a:alpha val="43137"/>
+                      </a:srgbClr>
+                    </a:outerShdw>
+                  </a:effectLst>
+                  <a:latin typeface="a우유식빵" panose="02020600000000000000" pitchFamily="18" charset="-127"/>
+                  <a:ea typeface="a우유식빵" panose="02020600000000000000" pitchFamily="18" charset="-127"/>
+                </a:rPr>
+                <a:t>WHO</a:t>
+              </a:r>
+              <a:r>
+                <a:rPr lang="en-US" altLang="ko-KR" sz="5400" dirty="0">
+                  <a:solidFill>
+                    <a:srgbClr val="04CF5C"/>
+                  </a:solidFill>
+                  <a:effectLst>
+                    <a:outerShdw blurRad="38100" dist="38100" dir="2700000" algn="tl">
+                      <a:srgbClr val="000000">
+                        <a:alpha val="43137"/>
+                      </a:srgbClr>
+                    </a:outerShdw>
+                  </a:effectLst>
+                  <a:latin typeface="a우유식빵" panose="02020600000000000000" pitchFamily="18" charset="-127"/>
+                  <a:ea typeface="a우유식빵" panose="02020600000000000000" pitchFamily="18" charset="-127"/>
                 </a:rPr>
                 <a:t>F</a:t>
               </a:r>
-              <a:endParaRPr lang="ko-KR" altLang="en-US" dirty="0">
-                <a:latin typeface="a개구쟁이" panose="02020600000000000000" pitchFamily="18" charset="-127"/>
-                <a:ea typeface="a개구쟁이" panose="02020600000000000000" pitchFamily="18" charset="-127"/>
+              <a:r>
+                <a:rPr lang="en-US" altLang="ko-KR" sz="11500" dirty="0">
+                  <a:effectLst>
+                    <a:outerShdw blurRad="38100" dist="38100" dir="2700000" algn="tl">
+                      <a:srgbClr val="000000">
+                        <a:alpha val="43137"/>
+                      </a:srgbClr>
+                    </a:outerShdw>
+                  </a:effectLst>
+                  <a:latin typeface="a우유식빵" panose="02020600000000000000" pitchFamily="18" charset="-127"/>
+                  <a:ea typeface="a우유식빵" panose="02020600000000000000" pitchFamily="18" charset="-127"/>
+                </a:rPr>
+                <a:t>RIEND</a:t>
+              </a:r>
+              <a:endParaRPr lang="ko-KR" altLang="en-US" sz="11500" dirty="0">
+                <a:effectLst>
+                  <a:outerShdw blurRad="38100" dist="38100" dir="2700000" algn="tl">
+                    <a:srgbClr val="000000">
+                      <a:alpha val="43137"/>
+                    </a:srgbClr>
+                  </a:outerShdw>
+                </a:effectLst>
+                <a:latin typeface="a우유식빵" panose="02020600000000000000" pitchFamily="18" charset="-127"/>
+                <a:ea typeface="a우유식빵" panose="02020600000000000000" pitchFamily="18" charset="-127"/>
               </a:endParaRPr>
             </a:p>
           </p:txBody>
@@ -3469,10 +4045,10 @@
       </p:grpSp>
       <p:sp>
         <p:nvSpPr>
-          <p:cNvPr id="32" name="TextBox 31">
-            <a:extLst>
-              <a:ext uri="{FF2B5EF4-FFF2-40B4-BE49-F238E27FC236}">
-                <a16:creationId xmlns:a16="http://schemas.microsoft.com/office/drawing/2014/main" id="{14D957BE-0D98-4324-82FE-E82EA86F929E}"/>
+          <p:cNvPr id="6" name="TextBox 5">
+            <a:extLst>
+              <a:ext uri="{FF2B5EF4-FFF2-40B4-BE49-F238E27FC236}">
+                <a16:creationId xmlns:a16="http://schemas.microsoft.com/office/drawing/2014/main" id="{1956F5D3-63D6-4014-89E1-9A36FFEE01F5}"/>
               </a:ext>
             </a:extLst>
           </p:cNvPr>
@@ -3481,8 +4057,8 @@
         </p:nvSpPr>
         <p:spPr>
           <a:xfrm>
-            <a:off x="633413" y="432946"/>
-            <a:ext cx="1189749" cy="369332"/>
+            <a:off x="1749247" y="3216708"/>
+            <a:ext cx="8432117" cy="646331"/>
           </a:xfrm>
           <a:prstGeom prst="rect">
             <a:avLst/>
@@ -3496,18 +4072,179 @@
           <a:lstStyle/>
           <a:p>
             <a:r>
-              <a:rPr lang="ko-KR" altLang="en-US"/>
-              <a:t>메인 로고</a:t>
-            </a:r>
-          </a:p>
-        </p:txBody>
-      </p:sp>
+              <a:rPr lang="en-US" altLang="ko-KR" sz="3600" b="1" spc="300" dirty="0">
+                <a:solidFill>
+                  <a:srgbClr val="9B9F9D"/>
+                </a:solidFill>
+                <a:latin typeface="a고딕11" panose="02020600000000000000" pitchFamily="18" charset="-127"/>
+                <a:ea typeface="a고딕11" panose="02020600000000000000" pitchFamily="18" charset="-127"/>
+              </a:rPr>
+              <a:t>WHO_</a:t>
+            </a:r>
+            <a:r>
+              <a:rPr lang="ko-KR" altLang="en-US" sz="3600" b="1" spc="300" dirty="0">
+                <a:solidFill>
+                  <a:srgbClr val="9B9F9D"/>
+                </a:solidFill>
+                <a:latin typeface="a고딕11" panose="02020600000000000000" pitchFamily="18" charset="-127"/>
+                <a:ea typeface="a고딕11" panose="02020600000000000000" pitchFamily="18" charset="-127"/>
+              </a:rPr>
+              <a:t>누구와도</a:t>
+            </a:r>
+            <a:r>
+              <a:rPr lang="en-US" altLang="ko-KR" sz="3600" b="1" spc="300" dirty="0">
+                <a:solidFill>
+                  <a:srgbClr val="9B9F9D"/>
+                </a:solidFill>
+                <a:latin typeface="a고딕11" panose="02020600000000000000" pitchFamily="18" charset="-127"/>
+                <a:ea typeface="a고딕11" panose="02020600000000000000" pitchFamily="18" charset="-127"/>
+              </a:rPr>
+              <a:t> + FRIEND_</a:t>
+            </a:r>
+            <a:r>
+              <a:rPr lang="ko-KR" altLang="en-US" sz="3600" b="1" spc="300" dirty="0">
+                <a:solidFill>
+                  <a:srgbClr val="9B9F9D"/>
+                </a:solidFill>
+                <a:latin typeface="a고딕11" panose="02020600000000000000" pitchFamily="18" charset="-127"/>
+                <a:ea typeface="a고딕11" panose="02020600000000000000" pitchFamily="18" charset="-127"/>
+              </a:rPr>
+              <a:t>친구가 된다</a:t>
+            </a:r>
+          </a:p>
+        </p:txBody>
+      </p:sp>
+    </p:spTree>
+    <p:extLst>
+      <p:ext uri="{BB962C8B-B14F-4D97-AF65-F5344CB8AC3E}">
+        <p14:creationId xmlns:p14="http://schemas.microsoft.com/office/powerpoint/2010/main" val="1897077984"/>
+      </p:ext>
+    </p:extLst>
+  </p:cSld>
+  <p:clrMapOvr>
+    <a:masterClrMapping/>
+  </p:clrMapOvr>
+</p:sld>
+</file>
+
+<file path=ppt/slides/slide3.xml><?xml version="1.0" encoding="utf-8"?>
+<p:sld xmlns:a="http://schemas.openxmlformats.org/drawingml/2006/main" xmlns:r="http://schemas.openxmlformats.org/officeDocument/2006/relationships" xmlns:p="http://schemas.openxmlformats.org/presentationml/2006/main">
+  <p:cSld>
+    <p:spTree>
+      <p:nvGrpSpPr>
+        <p:cNvPr id="1" name=""/>
+        <p:cNvGrpSpPr/>
+        <p:nvPr/>
+      </p:nvGrpSpPr>
+      <p:grpSpPr>
+        <a:xfrm>
+          <a:off x="0" y="0"/>
+          <a:ext cx="0" cy="0"/>
+          <a:chOff x="0" y="0"/>
+          <a:chExt cx="0" cy="0"/>
+        </a:xfrm>
+      </p:grpSpPr>
       <p:pic>
         <p:nvPicPr>
-          <p:cNvPr id="5" name="그림 4" descr="텍스트이(가) 표시된 사진&#10;&#10;자동 생성된 설명">
-            <a:extLst>
-              <a:ext uri="{FF2B5EF4-FFF2-40B4-BE49-F238E27FC236}">
-                <a16:creationId xmlns:a16="http://schemas.microsoft.com/office/drawing/2014/main" id="{306C7827-5E6F-4780-850C-D155C1B95630}"/>
+          <p:cNvPr id="5" name="그림 4">
+            <a:extLst>
+              <a:ext uri="{FF2B5EF4-FFF2-40B4-BE49-F238E27FC236}">
+                <a16:creationId xmlns:a16="http://schemas.microsoft.com/office/drawing/2014/main" id="{45391806-14EB-49EE-87BB-1290C277CDFC}"/>
+              </a:ext>
+            </a:extLst>
+          </p:cNvPr>
+          <p:cNvPicPr>
+            <a:picLocks noChangeAspect="1"/>
+          </p:cNvPicPr>
+          <p:nvPr/>
+        </p:nvPicPr>
+        <p:blipFill>
+          <a:blip r:embed="rId2">
+            <a:extLst>
+              <a:ext uri="{28A0092B-C50C-407E-A947-70E740481C1C}">
+                <a14:useLocalDpi xmlns:a14="http://schemas.microsoft.com/office/drawing/2010/main" val="0"/>
+              </a:ext>
+            </a:extLst>
+          </a:blip>
+          <a:stretch>
+            <a:fillRect/>
+          </a:stretch>
+        </p:blipFill>
+        <p:spPr>
+          <a:xfrm>
+            <a:off x="1326061" y="551091"/>
+            <a:ext cx="2877909" cy="2877909"/>
+          </a:xfrm>
+          <a:prstGeom prst="rect">
+            <a:avLst/>
+          </a:prstGeom>
+          <a:effectLst>
+            <a:outerShdw blurRad="50800" dist="38100" dir="2700000" algn="tl" rotWithShape="0">
+              <a:prstClr val="black">
+                <a:alpha val="40000"/>
+              </a:prstClr>
+            </a:outerShdw>
+          </a:effectLst>
+        </p:spPr>
+      </p:pic>
+      <p:sp>
+        <p:nvSpPr>
+          <p:cNvPr id="13" name="직사각형 12">
+            <a:extLst>
+              <a:ext uri="{FF2B5EF4-FFF2-40B4-BE49-F238E27FC236}">
+                <a16:creationId xmlns:a16="http://schemas.microsoft.com/office/drawing/2014/main" id="{8F4E6D97-50BC-44AA-9954-B65F5E937C93}"/>
+              </a:ext>
+            </a:extLst>
+          </p:cNvPr>
+          <p:cNvSpPr/>
+          <p:nvPr/>
+        </p:nvSpPr>
+        <p:spPr>
+          <a:xfrm>
+            <a:off x="8426904" y="551091"/>
+            <a:ext cx="2877908" cy="2877909"/>
+          </a:xfrm>
+          <a:prstGeom prst="rect">
+            <a:avLst/>
+          </a:prstGeom>
+          <a:solidFill>
+            <a:srgbClr val="000000"/>
+          </a:solidFill>
+          <a:ln>
+            <a:noFill/>
+          </a:ln>
+        </p:spPr>
+        <p:style>
+          <a:lnRef idx="2">
+            <a:schemeClr val="accent1">
+              <a:shade val="50000"/>
+            </a:schemeClr>
+          </a:lnRef>
+          <a:fillRef idx="1">
+            <a:schemeClr val="accent1"/>
+          </a:fillRef>
+          <a:effectRef idx="0">
+            <a:schemeClr val="accent1"/>
+          </a:effectRef>
+          <a:fontRef idx="minor">
+            <a:schemeClr val="lt1"/>
+          </a:fontRef>
+        </p:style>
+        <p:txBody>
+          <a:bodyPr rtlCol="0" anchor="ctr"/>
+          <a:lstStyle/>
+          <a:p>
+            <a:pPr algn="ctr"/>
+            <a:endParaRPr lang="ko-KR" altLang="en-US"/>
+          </a:p>
+        </p:txBody>
+      </p:sp>
+      <p:pic>
+        <p:nvPicPr>
+          <p:cNvPr id="10" name="그림 9">
+            <a:extLst>
+              <a:ext uri="{FF2B5EF4-FFF2-40B4-BE49-F238E27FC236}">
+                <a16:creationId xmlns:a16="http://schemas.microsoft.com/office/drawing/2014/main" id="{4BB7C502-3617-4A2A-A69E-5CEFDC0C59F8}"/>
               </a:ext>
             </a:extLst>
           </p:cNvPr>
@@ -3531,18 +4268,184 @@
         </p:blipFill>
         <p:spPr>
           <a:xfrm>
-            <a:off x="3435901" y="2628199"/>
-            <a:ext cx="5320197" cy="1601601"/>
+            <a:off x="9370779" y="1294173"/>
+            <a:ext cx="893154" cy="893154"/>
           </a:xfrm>
           <a:prstGeom prst="rect">
             <a:avLst/>
           </a:prstGeom>
         </p:spPr>
       </p:pic>
+      <p:sp>
+        <p:nvSpPr>
+          <p:cNvPr id="12" name="TextBox 11">
+            <a:extLst>
+              <a:ext uri="{FF2B5EF4-FFF2-40B4-BE49-F238E27FC236}">
+                <a16:creationId xmlns:a16="http://schemas.microsoft.com/office/drawing/2014/main" id="{500F550B-EAD9-47E3-B5D7-C9FE53A73592}"/>
+              </a:ext>
+            </a:extLst>
+          </p:cNvPr>
+          <p:cNvSpPr txBox="1"/>
+          <p:nvPr/>
+        </p:nvSpPr>
+        <p:spPr>
+          <a:xfrm>
+            <a:off x="6549078" y="3504402"/>
+            <a:ext cx="784510" cy="400110"/>
+          </a:xfrm>
+          <a:prstGeom prst="rect">
+            <a:avLst/>
+          </a:prstGeom>
+          <a:noFill/>
+        </p:spPr>
+        <p:txBody>
+          <a:bodyPr wrap="none" rtlCol="0">
+            <a:spAutoFit/>
+          </a:bodyPr>
+          <a:lstStyle/>
+          <a:p>
+            <a:r>
+              <a:rPr lang="en-US" altLang="ko-KR" sz="2000" dirty="0">
+                <a:solidFill>
+                  <a:srgbClr val="000000"/>
+                </a:solidFill>
+                <a:latin typeface="a우유식빵" panose="02020600000000000000" pitchFamily="18" charset="-127"/>
+                <a:ea typeface="a우유식빵" panose="02020600000000000000" pitchFamily="18" charset="-127"/>
+              </a:rPr>
+              <a:t>BOX</a:t>
+            </a:r>
+            <a:endParaRPr lang="ko-KR" altLang="en-US" sz="2000" dirty="0">
+              <a:solidFill>
+                <a:srgbClr val="000000"/>
+              </a:solidFill>
+              <a:latin typeface="a우유식빵" panose="02020600000000000000" pitchFamily="18" charset="-127"/>
+              <a:ea typeface="a우유식빵" panose="02020600000000000000" pitchFamily="18" charset="-127"/>
+            </a:endParaRPr>
+          </a:p>
+        </p:txBody>
+      </p:sp>
+      <p:grpSp>
+        <p:nvGrpSpPr>
+          <p:cNvPr id="16" name="그룹 15">
+            <a:extLst>
+              <a:ext uri="{FF2B5EF4-FFF2-40B4-BE49-F238E27FC236}">
+                <a16:creationId xmlns:a16="http://schemas.microsoft.com/office/drawing/2014/main" id="{34526327-3AE2-48EE-9CA3-A62C3043AE8D}"/>
+              </a:ext>
+            </a:extLst>
+          </p:cNvPr>
+          <p:cNvGrpSpPr/>
+          <p:nvPr/>
+        </p:nvGrpSpPr>
+        <p:grpSpPr>
+          <a:xfrm>
+            <a:off x="1390715" y="3842274"/>
+            <a:ext cx="2877908" cy="2877908"/>
+            <a:chOff x="1390715" y="3842274"/>
+            <a:chExt cx="2877908" cy="2877908"/>
+          </a:xfrm>
+        </p:grpSpPr>
+        <p:sp>
+          <p:nvSpPr>
+            <p:cNvPr id="6" name="타원 5">
+              <a:extLst>
+                <a:ext uri="{FF2B5EF4-FFF2-40B4-BE49-F238E27FC236}">
+                  <a16:creationId xmlns:a16="http://schemas.microsoft.com/office/drawing/2014/main" id="{FE6C9C91-F608-4EF9-A425-ABE7AB44EA45}"/>
+                </a:ext>
+              </a:extLst>
+            </p:cNvPr>
+            <p:cNvSpPr/>
+            <p:nvPr/>
+          </p:nvSpPr>
+          <p:spPr>
+            <a:xfrm>
+              <a:off x="1390715" y="3842274"/>
+              <a:ext cx="2877908" cy="2877908"/>
+            </a:xfrm>
+            <a:prstGeom prst="ellipse">
+              <a:avLst/>
+            </a:prstGeom>
+            <a:solidFill>
+              <a:schemeClr val="bg1">
+                <a:lumMod val="95000"/>
+              </a:schemeClr>
+            </a:solidFill>
+            <a:ln>
+              <a:noFill/>
+            </a:ln>
+            <a:effectLst>
+              <a:outerShdw blurRad="50800" dist="38100" dir="2700000" algn="tl" rotWithShape="0">
+                <a:prstClr val="black">
+                  <a:alpha val="40000"/>
+                </a:prstClr>
+              </a:outerShdw>
+            </a:effectLst>
+          </p:spPr>
+          <p:style>
+            <a:lnRef idx="2">
+              <a:schemeClr val="accent1">
+                <a:shade val="50000"/>
+              </a:schemeClr>
+            </a:lnRef>
+            <a:fillRef idx="1">
+              <a:schemeClr val="accent1"/>
+            </a:fillRef>
+            <a:effectRef idx="0">
+              <a:schemeClr val="accent1"/>
+            </a:effectRef>
+            <a:fontRef idx="minor">
+              <a:schemeClr val="lt1"/>
+            </a:fontRef>
+          </p:style>
+          <p:txBody>
+            <a:bodyPr rtlCol="0" anchor="ctr"/>
+            <a:lstStyle/>
+            <a:p>
+              <a:pPr algn="ctr"/>
+              <a:endParaRPr lang="ko-KR" altLang="en-US" dirty="0"/>
+            </a:p>
+          </p:txBody>
+        </p:sp>
+        <p:pic>
+          <p:nvPicPr>
+            <p:cNvPr id="15" name="그림 14">
+              <a:extLst>
+                <a:ext uri="{FF2B5EF4-FFF2-40B4-BE49-F238E27FC236}">
+                  <a16:creationId xmlns:a16="http://schemas.microsoft.com/office/drawing/2014/main" id="{B13D96BC-6632-4377-A545-58C7EC963B01}"/>
+                </a:ext>
+              </a:extLst>
+            </p:cNvPr>
+            <p:cNvPicPr>
+              <a:picLocks noChangeAspect="1"/>
+            </p:cNvPicPr>
+            <p:nvPr/>
+          </p:nvPicPr>
+          <p:blipFill>
+            <a:blip r:embed="rId4">
+              <a:extLst>
+                <a:ext uri="{28A0092B-C50C-407E-A947-70E740481C1C}">
+                  <a14:useLocalDpi xmlns:a14="http://schemas.microsoft.com/office/drawing/2010/main" val="0"/>
+                </a:ext>
+              </a:extLst>
+            </a:blip>
+            <a:stretch>
+              <a:fillRect/>
+            </a:stretch>
+          </p:blipFill>
+          <p:spPr>
+            <a:xfrm>
+              <a:off x="1631251" y="4082810"/>
+              <a:ext cx="2396836" cy="2396836"/>
+            </a:xfrm>
+            <a:prstGeom prst="rect">
+              <a:avLst/>
+            </a:prstGeom>
+          </p:spPr>
+        </p:pic>
+      </p:grpSp>
     </p:spTree>
     <p:extLst>
       <p:ext uri="{BB962C8B-B14F-4D97-AF65-F5344CB8AC3E}">
-        <p14:creationId xmlns:p14="http://schemas.microsoft.com/office/powerpoint/2010/main" val="1265518245"/>
+        <p14:creationId xmlns:p14="http://schemas.microsoft.com/office/powerpoint/2010/main" val="2455323652"/>
       </p:ext>
     </p:extLst>
   </p:cSld>
